--- a/docs/diagrams/SDforImport.pptx
+++ b/docs/diagrams/SDforImport.pptx
@@ -121,6 +121,33 @@
     </p:ext>
   </p:extLst>
 </p:presentation>
+</file>
+
+<file path=ppt/ink/ink1.xml><?xml version="1.0" encoding="utf-8"?>
+<inkml:ink xmlns:inkml="http://www.w3.org/2003/InkML">
+  <inkml:definitions>
+    <inkml:context xml:id="ctx0">
+      <inkml:inkSource xml:id="inkSrc0">
+        <inkml:traceFormat>
+          <inkml:channel name="X" type="integer" min="-2.14748E9" max="2.14748E9" units="cm"/>
+          <inkml:channel name="Y" type="integer" min="-2.14748E9" max="2.14748E9" units="cm"/>
+        </inkml:traceFormat>
+        <inkml:channelProperties>
+          <inkml:channelProperty channel="X" name="resolution" value="1000" units="1/cm"/>
+          <inkml:channelProperty channel="Y" name="resolution" value="1000" units="1/cm"/>
+        </inkml:channelProperties>
+      </inkml:inkSource>
+      <inkml:timestamp xml:id="ts0" timeString="2018-04-15T14:52:36.953"/>
+    </inkml:context>
+    <inkml:brush xml:id="br0">
+      <inkml:brushProperty name="width" value="0.05" units="cm"/>
+      <inkml:brushProperty name="height" value="0.05" units="cm"/>
+      <inkml:brushProperty name="color" value="#F6630D"/>
+      <inkml:brushProperty name="ignorePressure" value="1"/>
+    </inkml:brush>
+  </inkml:definitions>
+  <inkml:trace contextRef="#ctx0" brushRef="#br0">28 1,'-1'5,"1"0,-1 0,-1 0,1 0,-1 0,0 0,0 1,-9 27,8-17,2-15,1 0,0 0,-1 0,1 0,0 0,-1 0,1 0,0 0,0 0,0 0,0 0,0 0,0 0,1 0,-1 1,0-1,0 0,1 0,-1 0,0 0,1-1,-1 1,1 0,0 0,-1 0,1 0,0 0,-1-1,1 1,0 0,0 0,0-1,-1 1,1-1,0 1,0-1,0 1,0-1,0 0,0 1,1-1,11 5,-1 0,1 0,0-2,0 0,0 0,0-1,0-1,1 0,9-1,-18 0</inkml:trace>
+</inkml:ink>
 </file>
 
 <file path=ppt/slideLayouts/slideLayout1.xml><?xml version="1.0" encoding="utf-8"?>
@@ -5629,6 +5656,253 @@
           </a:fontRef>
         </p:style>
       </p:cxnSp>
+      <p:sp>
+        <p:nvSpPr>
+          <p:cNvPr id="47" name="Rectangle 46">
+            <a:extLst>
+              <a:ext uri="{FF2B5EF4-FFF2-40B4-BE49-F238E27FC236}">
+                <a16:creationId xmlns:a16="http://schemas.microsoft.com/office/drawing/2014/main" id="{A508D9DF-BBD7-48D1-A104-7753A13EBBD4}"/>
+              </a:ext>
+            </a:extLst>
+          </p:cNvPr>
+          <p:cNvSpPr/>
+          <p:nvPr/>
+        </p:nvSpPr>
+        <p:spPr>
+          <a:xfrm>
+            <a:off x="11742949" y="3174627"/>
+            <a:ext cx="147459" cy="100041"/>
+          </a:xfrm>
+          <a:prstGeom prst="rect">
+            <a:avLst/>
+          </a:prstGeom>
+          <a:solidFill>
+            <a:schemeClr val="accent2"/>
+          </a:solidFill>
+          <a:ln w="12700">
+            <a:solidFill>
+              <a:schemeClr val="bg1"/>
+            </a:solidFill>
+          </a:ln>
+          <a:effectLst/>
+        </p:spPr>
+        <p:style>
+          <a:lnRef idx="1">
+            <a:schemeClr val="accent3"/>
+          </a:lnRef>
+          <a:fillRef idx="2">
+            <a:schemeClr val="accent3"/>
+          </a:fillRef>
+          <a:effectRef idx="1">
+            <a:schemeClr val="accent3"/>
+          </a:effectRef>
+          <a:fontRef idx="minor">
+            <a:schemeClr val="dk1"/>
+          </a:fontRef>
+        </p:style>
+        <p:txBody>
+          <a:bodyPr rtlCol="0" anchor="ctr"/>
+          <a:lstStyle/>
+          <a:p>
+            <a:pPr algn="ctr"/>
+            <a:endParaRPr lang="en-SG" sz="1400">
+              <a:solidFill>
+                <a:schemeClr val="dk1"/>
+              </a:solidFill>
+            </a:endParaRPr>
+          </a:p>
+        </p:txBody>
+      </p:sp>
+      <p:sp>
+        <p:nvSpPr>
+          <p:cNvPr id="48" name="Freeform: Shape 47">
+            <a:extLst>
+              <a:ext uri="{FF2B5EF4-FFF2-40B4-BE49-F238E27FC236}">
+                <a16:creationId xmlns:a16="http://schemas.microsoft.com/office/drawing/2014/main" id="{C7B82E99-5703-40CA-9A3F-C7CBDA831556}"/>
+              </a:ext>
+            </a:extLst>
+          </p:cNvPr>
+          <p:cNvSpPr/>
+          <p:nvPr/>
+        </p:nvSpPr>
+        <p:spPr>
+          <a:xfrm>
+            <a:off x="11768058" y="3084040"/>
+            <a:ext cx="194796" cy="121039"/>
+          </a:xfrm>
+          <a:custGeom>
+            <a:avLst/>
+            <a:gdLst>
+              <a:gd name="connsiteX0" fmla="*/ 0 w 334018"/>
+              <a:gd name="connsiteY0" fmla="*/ 123820 h 331084"/>
+              <a:gd name="connsiteX1" fmla="*/ 231648 w 334018"/>
+              <a:gd name="connsiteY1" fmla="*/ 1900 h 331084"/>
+              <a:gd name="connsiteX2" fmla="*/ 329184 w 334018"/>
+              <a:gd name="connsiteY2" fmla="*/ 209164 h 331084"/>
+              <a:gd name="connsiteX3" fmla="*/ 91440 w 334018"/>
+              <a:gd name="connsiteY3" fmla="*/ 331084 h 331084"/>
+            </a:gdLst>
+            <a:ahLst/>
+            <a:cxnLst>
+              <a:cxn ang="0">
+                <a:pos x="connsiteX0" y="connsiteY0"/>
+              </a:cxn>
+              <a:cxn ang="0">
+                <a:pos x="connsiteX1" y="connsiteY1"/>
+              </a:cxn>
+              <a:cxn ang="0">
+                <a:pos x="connsiteX2" y="connsiteY2"/>
+              </a:cxn>
+              <a:cxn ang="0">
+                <a:pos x="connsiteX3" y="connsiteY3"/>
+              </a:cxn>
+            </a:cxnLst>
+            <a:rect l="l" t="t" r="r" b="b"/>
+            <a:pathLst>
+              <a:path w="334018" h="331084">
+                <a:moveTo>
+                  <a:pt x="0" y="123820"/>
+                </a:moveTo>
+                <a:cubicBezTo>
+                  <a:pt x="88392" y="55748"/>
+                  <a:pt x="176784" y="-12324"/>
+                  <a:pt x="231648" y="1900"/>
+                </a:cubicBezTo>
+                <a:cubicBezTo>
+                  <a:pt x="286512" y="16124"/>
+                  <a:pt x="352552" y="154300"/>
+                  <a:pt x="329184" y="209164"/>
+                </a:cubicBezTo>
+                <a:cubicBezTo>
+                  <a:pt x="305816" y="264028"/>
+                  <a:pt x="137160" y="310764"/>
+                  <a:pt x="91440" y="331084"/>
+                </a:cubicBezTo>
+              </a:path>
+            </a:pathLst>
+          </a:custGeom>
+          <a:noFill/>
+          <a:ln>
+            <a:solidFill>
+              <a:schemeClr val="accent2"/>
+            </a:solidFill>
+          </a:ln>
+        </p:spPr>
+        <p:style>
+          <a:lnRef idx="2">
+            <a:schemeClr val="accent1">
+              <a:shade val="50000"/>
+            </a:schemeClr>
+          </a:lnRef>
+          <a:fillRef idx="1">
+            <a:schemeClr val="accent1"/>
+          </a:fillRef>
+          <a:effectRef idx="0">
+            <a:schemeClr val="accent1"/>
+          </a:effectRef>
+          <a:fontRef idx="minor">
+            <a:schemeClr val="lt1"/>
+          </a:fontRef>
+        </p:style>
+        <p:txBody>
+          <a:bodyPr rtlCol="0" anchor="ctr"/>
+          <a:lstStyle/>
+          <a:p>
+            <a:pPr algn="ctr"/>
+            <a:endParaRPr lang="en-US"/>
+          </a:p>
+        </p:txBody>
+      </p:sp>
+      <p:sp>
+        <p:nvSpPr>
+          <p:cNvPr id="49" name="TextBox 48">
+            <a:extLst>
+              <a:ext uri="{FF2B5EF4-FFF2-40B4-BE49-F238E27FC236}">
+                <a16:creationId xmlns:a16="http://schemas.microsoft.com/office/drawing/2014/main" id="{ECC57B68-1C83-48AA-A92D-B71C8BC33BE5}"/>
+              </a:ext>
+            </a:extLst>
+          </p:cNvPr>
+          <p:cNvSpPr txBox="1"/>
+          <p:nvPr/>
+        </p:nvSpPr>
+        <p:spPr>
+          <a:xfrm>
+            <a:off x="11683487" y="2591544"/>
+            <a:ext cx="605031" cy="461665"/>
+          </a:xfrm>
+          <a:prstGeom prst="rect">
+            <a:avLst/>
+          </a:prstGeom>
+          <a:noFill/>
+        </p:spPr>
+        <p:txBody>
+          <a:bodyPr wrap="square" rtlCol="0">
+            <a:spAutoFit/>
+          </a:bodyPr>
+          <a:lstStyle/>
+          <a:p>
+            <a:r>
+              <a:rPr lang="en-US" sz="1200" dirty="0">
+                <a:solidFill>
+                  <a:schemeClr val="accent2"/>
+                </a:solidFill>
+              </a:rPr>
+              <a:t>Save to file</a:t>
+            </a:r>
+          </a:p>
+        </p:txBody>
+      </p:sp>
+      <mc:AlternateContent xmlns:mc="http://schemas.openxmlformats.org/markup-compatibility/2006">
+        <mc:Choice xmlns:p14="http://schemas.microsoft.com/office/powerpoint/2010/main" Requires="p14">
+          <p:contentPart p14:bwMode="auto" r:id="rId2">
+            <p14:nvContentPartPr>
+              <p14:cNvPr id="2" name="Ink 1">
+                <a:extLst>
+                  <a:ext uri="{FF2B5EF4-FFF2-40B4-BE49-F238E27FC236}">
+                    <a16:creationId xmlns:a16="http://schemas.microsoft.com/office/drawing/2014/main" id="{D152EC09-9989-4C68-A322-11D550C5A982}"/>
+                  </a:ext>
+                </a:extLst>
+              </p14:cNvPr>
+              <p14:cNvContentPartPr/>
+              <p14:nvPr/>
+            </p14:nvContentPartPr>
+            <p14:xfrm>
+              <a:off x="11896140" y="3150630"/>
+              <a:ext cx="59760" cy="55800"/>
+            </p14:xfrm>
+          </p:contentPart>
+        </mc:Choice>
+        <mc:Fallback>
+          <p:pic>
+            <p:nvPicPr>
+              <p:cNvPr id="2" name="Ink 1">
+                <a:extLst>
+                  <a:ext uri="{FF2B5EF4-FFF2-40B4-BE49-F238E27FC236}">
+                    <a16:creationId xmlns:a16="http://schemas.microsoft.com/office/drawing/2014/main" id="{D152EC09-9989-4C68-A322-11D550C5A982}"/>
+                  </a:ext>
+                </a:extLst>
+              </p:cNvPr>
+              <p:cNvPicPr/>
+              <p:nvPr/>
+            </p:nvPicPr>
+            <p:blipFill>
+              <a:blip r:embed="rId3"/>
+              <a:stretch>
+                <a:fillRect/>
+              </a:stretch>
+            </p:blipFill>
+            <p:spPr>
+              <a:xfrm>
+                <a:off x="11887140" y="3141990"/>
+                <a:ext cx="77400" cy="73440"/>
+              </a:xfrm>
+              <a:prstGeom prst="rect">
+                <a:avLst/>
+              </a:prstGeom>
+            </p:spPr>
+          </p:pic>
+        </mc:Fallback>
+      </mc:AlternateContent>
     </p:spTree>
     <p:extLst>
       <p:ext uri="{BB962C8B-B14F-4D97-AF65-F5344CB8AC3E}">
